--- a/20170515_PGECons_2016_WG3_Seminar_presentation_merge.pptx
+++ b/20170515_PGECons_2016_WG3_Seminar_presentation_merge.pptx
@@ -27032,7 +27032,7 @@
             <p:ph idx="1"/>
             <p:extLst>
               <p:ext uri="{D42A27DB-BD31-4B8C-83A1-F6EECF244321}">
-                <p14:modId xmlns:p14="http://schemas.microsoft.com/office/powerpoint/2010/main" val="409889052"/>
+                <p14:modId xmlns:p14="http://schemas.microsoft.com/office/powerpoint/2010/main" val="1562887392"/>
               </p:ext>
             </p:extLst>
           </p:nvPr>
@@ -27188,21 +27188,7 @@
                           <a:latin typeface="HGP創英角ｺﾞｼｯｸUB" panose="020B0900000000000000" pitchFamily="50" charset="-128"/>
                           <a:ea typeface="HGP創英角ｺﾞｼｯｸUB" panose="020B0900000000000000" pitchFamily="50" charset="-128"/>
                         </a:rPr>
-                        <a:t>側でデータを持たず、データ</a:t>
-                      </a:r>
-                      <a:r>
-                        <a:rPr kumimoji="1" lang="ja-JP" altLang="en-US" sz="2000" dirty="0" err="1">
-                          <a:latin typeface="HGP創英角ｺﾞｼｯｸUB" panose="020B0900000000000000" pitchFamily="50" charset="-128"/>
-                          <a:ea typeface="HGP創英角ｺﾞｼｯｸUB" panose="020B0900000000000000" pitchFamily="50" charset="-128"/>
-                        </a:rPr>
-                        <a:t>をを</a:t>
-                      </a:r>
-                      <a:r>
-                        <a:rPr kumimoji="1" lang="ja-JP" altLang="en-US" sz="2000" dirty="0">
-                          <a:latin typeface="HGP創英角ｺﾞｼｯｸUB" panose="020B0900000000000000" pitchFamily="50" charset="-128"/>
-                          <a:ea typeface="HGP創英角ｺﾞｼｯｸUB" panose="020B0900000000000000" pitchFamily="50" charset="-128"/>
-                        </a:rPr>
-                        <a:t>共有したい場合</a:t>
+                        <a:t>側でデータを持たず、データを共有したい場合</a:t>
                       </a:r>
                       <a:endParaRPr kumimoji="1" lang="en-US" altLang="ja-JP" sz="2000" dirty="0">
                         <a:latin typeface="HGP創英角ｺﾞｼｯｸUB" panose="020B0900000000000000" pitchFamily="50" charset="-128"/>

--- a/20170515_PGECons_2016_WG3_Seminar_presentation_merge.pptx
+++ b/20170515_PGECons_2016_WG3_Seminar_presentation_merge.pptx
@@ -26402,12 +26402,56 @@
           <a:p>
             <a:pPr lvl="1"/>
             <a:r>
+              <a:rPr lang="ja-JP" altLang="en-US" dirty="0"/>
+              <a:t>初めて</a:t>
+            </a:r>
+            <a:r>
               <a:rPr lang="en-US" altLang="ja-JP" dirty="0"/>
-              <a:t>(</a:t>
+              <a:t>WG</a:t>
             </a:r>
             <a:r>
               <a:rPr lang="ja-JP" altLang="en-US" dirty="0"/>
-              <a:t>これから書く）</a:t>
+              <a:t>に参加し、他社との議論やレビューで新たな観点や考え方を学ぶことができた。</a:t>
+            </a:r>
+            <a:endParaRPr lang="en-US" altLang="ja-JP" dirty="0"/>
+          </a:p>
+          <a:p>
+            <a:pPr lvl="1"/>
+            <a:r>
+              <a:rPr lang="en-US" altLang="ja-JP" dirty="0"/>
+              <a:t>WG</a:t>
+            </a:r>
+            <a:r>
+              <a:rPr lang="ja-JP" altLang="en-US" dirty="0"/>
+              <a:t>活動に貢献しながらストリーミング・レプリケーションの知見を深めることができた。</a:t>
+            </a:r>
+            <a:endParaRPr lang="en-US" altLang="ja-JP" dirty="0"/>
+          </a:p>
+          <a:p>
+            <a:pPr lvl="1"/>
+            <a:r>
+              <a:rPr lang="ja-JP" altLang="en-US" dirty="0"/>
+              <a:t>今まで使っていなかったロジカルデコーディングや</a:t>
+            </a:r>
+            <a:r>
+              <a:rPr lang="en-US" altLang="ja-JP" dirty="0"/>
+              <a:t>BDR</a:t>
+            </a:r>
+            <a:r>
+              <a:rPr lang="ja-JP" altLang="en-US" dirty="0"/>
+              <a:t>についての知見を得られました。</a:t>
+            </a:r>
+            <a:endParaRPr lang="en-US" altLang="ja-JP" dirty="0"/>
+          </a:p>
+          <a:p>
+            <a:pPr lvl="1"/>
+            <a:r>
+              <a:rPr lang="en-US" altLang="ja-JP" dirty="0" err="1"/>
+              <a:t>Github</a:t>
+            </a:r>
+            <a:r>
+              <a:rPr lang="ja-JP" altLang="en-US" dirty="0"/>
+              <a:t>の機能を活用し、昨年度より活発な議論ができた。</a:t>
             </a:r>
             <a:endParaRPr lang="en-US" altLang="ja-JP" dirty="0"/>
           </a:p>
@@ -26552,7 +26596,7 @@
         <p:spPr>
           <a:xfrm>
             <a:off x="457200" y="1152000"/>
-            <a:ext cx="8229600" cy="1888083"/>
+            <a:ext cx="8229600" cy="2962800"/>
           </a:xfrm>
         </p:spPr>
         <p:txBody>
@@ -26572,8 +26616,28 @@
             <a:pPr lvl="1"/>
             <a:r>
               <a:rPr lang="ja-JP" altLang="en-US" dirty="0"/>
-              <a:t>（これから書く）</a:t>
-            </a:r>
+              <a:t>課題検討</a:t>
+            </a:r>
+            <a:r>
+              <a:rPr lang="en-US" altLang="ja-JP" dirty="0"/>
+              <a:t>WG</a:t>
+            </a:r>
+            <a:r>
+              <a:rPr lang="ja-JP" altLang="en-US" dirty="0"/>
+              <a:t>という自由度のある部会として</a:t>
+            </a:r>
+            <a:r>
+              <a:rPr lang="en-US" altLang="ja-JP" dirty="0"/>
+              <a:t>PostgreSQL 10</a:t>
+            </a:r>
+            <a:r>
+              <a:rPr lang="ja-JP" altLang="en-US" dirty="0"/>
+              <a:t>の新機能や各種運用ツール類を対象にテーマを設定し検討。</a:t>
+            </a:r>
+            <a:endParaRPr lang="en-US" altLang="ja-JP" dirty="0"/>
+          </a:p>
+          <a:p>
+            <a:pPr lvl="1"/>
             <a:endParaRPr kumimoji="1" lang="ja-JP" altLang="en-US" dirty="0"/>
           </a:p>
         </p:txBody>
